--- a/月別頭痛回数.pptx
+++ b/月別頭痛回数.pptx
@@ -261,7 +261,7 @@
           <a:p>
             <a:fld id="{CF57B5D3-1E81-4780-9B30-3A809A3C61BD}" type="datetimeFigureOut">
               <a:rPr kumimoji="1" lang="ja-JP" altLang="en-US" smtClean="0"/>
-              <a:t>2024/11/8</a:t>
+              <a:t>2024/11/14</a:t>
             </a:fld>
             <a:endParaRPr kumimoji="1" lang="ja-JP" altLang="en-US"/>
           </a:p>
@@ -491,7 +491,7 @@
           <a:p>
             <a:fld id="{CF57B5D3-1E81-4780-9B30-3A809A3C61BD}" type="datetimeFigureOut">
               <a:rPr kumimoji="1" lang="ja-JP" altLang="en-US" smtClean="0"/>
-              <a:t>2024/11/8</a:t>
+              <a:t>2024/11/14</a:t>
             </a:fld>
             <a:endParaRPr kumimoji="1" lang="ja-JP" altLang="en-US"/>
           </a:p>
@@ -731,7 +731,7 @@
           <a:p>
             <a:fld id="{CF57B5D3-1E81-4780-9B30-3A809A3C61BD}" type="datetimeFigureOut">
               <a:rPr kumimoji="1" lang="ja-JP" altLang="en-US" smtClean="0"/>
-              <a:t>2024/11/8</a:t>
+              <a:t>2024/11/14</a:t>
             </a:fld>
             <a:endParaRPr kumimoji="1" lang="ja-JP" altLang="en-US"/>
           </a:p>
@@ -961,7 +961,7 @@
           <a:p>
             <a:fld id="{CF57B5D3-1E81-4780-9B30-3A809A3C61BD}" type="datetimeFigureOut">
               <a:rPr kumimoji="1" lang="ja-JP" altLang="en-US" smtClean="0"/>
-              <a:t>2024/11/8</a:t>
+              <a:t>2024/11/14</a:t>
             </a:fld>
             <a:endParaRPr kumimoji="1" lang="ja-JP" altLang="en-US"/>
           </a:p>
@@ -1236,7 +1236,7 @@
           <a:p>
             <a:fld id="{CF57B5D3-1E81-4780-9B30-3A809A3C61BD}" type="datetimeFigureOut">
               <a:rPr kumimoji="1" lang="ja-JP" altLang="en-US" smtClean="0"/>
-              <a:t>2024/11/8</a:t>
+              <a:t>2024/11/14</a:t>
             </a:fld>
             <a:endParaRPr kumimoji="1" lang="ja-JP" altLang="en-US"/>
           </a:p>
@@ -1565,7 +1565,7 @@
           <a:p>
             <a:fld id="{CF57B5D3-1E81-4780-9B30-3A809A3C61BD}" type="datetimeFigureOut">
               <a:rPr kumimoji="1" lang="ja-JP" altLang="en-US" smtClean="0"/>
-              <a:t>2024/11/8</a:t>
+              <a:t>2024/11/14</a:t>
             </a:fld>
             <a:endParaRPr kumimoji="1" lang="ja-JP" altLang="en-US"/>
           </a:p>
@@ -2041,7 +2041,7 @@
           <a:p>
             <a:fld id="{CF57B5D3-1E81-4780-9B30-3A809A3C61BD}" type="datetimeFigureOut">
               <a:rPr kumimoji="1" lang="ja-JP" altLang="en-US" smtClean="0"/>
-              <a:t>2024/11/8</a:t>
+              <a:t>2024/11/14</a:t>
             </a:fld>
             <a:endParaRPr kumimoji="1" lang="ja-JP" altLang="en-US"/>
           </a:p>
@@ -2182,7 +2182,7 @@
           <a:p>
             <a:fld id="{CF57B5D3-1E81-4780-9B30-3A809A3C61BD}" type="datetimeFigureOut">
               <a:rPr kumimoji="1" lang="ja-JP" altLang="en-US" smtClean="0"/>
-              <a:t>2024/11/8</a:t>
+              <a:t>2024/11/14</a:t>
             </a:fld>
             <a:endParaRPr kumimoji="1" lang="ja-JP" altLang="en-US"/>
           </a:p>
@@ -2295,7 +2295,7 @@
           <a:p>
             <a:fld id="{CF57B5D3-1E81-4780-9B30-3A809A3C61BD}" type="datetimeFigureOut">
               <a:rPr kumimoji="1" lang="ja-JP" altLang="en-US" smtClean="0"/>
-              <a:t>2024/11/8</a:t>
+              <a:t>2024/11/14</a:t>
             </a:fld>
             <a:endParaRPr kumimoji="1" lang="ja-JP" altLang="en-US"/>
           </a:p>
@@ -2638,7 +2638,7 @@
           <a:p>
             <a:fld id="{CF57B5D3-1E81-4780-9B30-3A809A3C61BD}" type="datetimeFigureOut">
               <a:rPr kumimoji="1" lang="ja-JP" altLang="en-US" smtClean="0"/>
-              <a:t>2024/11/8</a:t>
+              <a:t>2024/11/14</a:t>
             </a:fld>
             <a:endParaRPr kumimoji="1" lang="ja-JP" altLang="en-US"/>
           </a:p>
@@ -2926,7 +2926,7 @@
           <a:p>
             <a:fld id="{CF57B5D3-1E81-4780-9B30-3A809A3C61BD}" type="datetimeFigureOut">
               <a:rPr kumimoji="1" lang="ja-JP" altLang="en-US" smtClean="0"/>
-              <a:t>2024/11/8</a:t>
+              <a:t>2024/11/14</a:t>
             </a:fld>
             <a:endParaRPr kumimoji="1" lang="ja-JP" altLang="en-US"/>
           </a:p>
@@ -3199,7 +3199,7 @@
           <a:p>
             <a:fld id="{CF57B5D3-1E81-4780-9B30-3A809A3C61BD}" type="datetimeFigureOut">
               <a:rPr kumimoji="1" lang="ja-JP" altLang="en-US" smtClean="0"/>
-              <a:t>2024/11/8</a:t>
+              <a:t>2024/11/14</a:t>
             </a:fld>
             <a:endParaRPr kumimoji="1" lang="ja-JP" altLang="en-US"/>
           </a:p>
@@ -3842,7 +3842,7 @@
           <p:nvPr>
             <p:extLst>
               <p:ext uri="{D42A27DB-BD31-4B8C-83A1-F6EECF244321}">
-                <p14:modId xmlns:p14="http://schemas.microsoft.com/office/powerpoint/2010/main" val="1602068917"/>
+                <p14:modId xmlns:p14="http://schemas.microsoft.com/office/powerpoint/2010/main" val="413664807"/>
               </p:ext>
             </p:extLst>
           </p:nvPr>
